--- a/Proyecto3/Nicolás Lozada & Camilo Yate.pptx
+++ b/Proyecto3/Nicolás Lozada & Camilo Yate.pptx
@@ -337,11 +337,11 @@
           <c:showBubbleSize val="0"/>
         </c:dLbls>
         <c:gapWidth val="182"/>
-        <c:axId val="-54728640"/>
-        <c:axId val="-54726464"/>
+        <c:axId val="1609580048"/>
+        <c:axId val="1733285264"/>
       </c:barChart>
       <c:catAx>
-        <c:axId val="-54728640"/>
+        <c:axId val="1609580048"/>
         <c:scaling>
           <c:orientation val="minMax"/>
         </c:scaling>
@@ -384,7 +384,7 @@
             <a:endParaRPr lang="en-US"/>
           </a:p>
         </c:txPr>
-        <c:crossAx val="-54726464"/>
+        <c:crossAx val="1733285264"/>
         <c:crosses val="autoZero"/>
         <c:auto val="1"/>
         <c:lblAlgn val="ctr"/>
@@ -392,7 +392,7 @@
         <c:noMultiLvlLbl val="0"/>
       </c:catAx>
       <c:valAx>
-        <c:axId val="-54726464"/>
+        <c:axId val="1733285264"/>
         <c:scaling>
           <c:orientation val="minMax"/>
         </c:scaling>
@@ -443,7 +443,7 @@
             <a:endParaRPr lang="en-US"/>
           </a:p>
         </c:txPr>
-        <c:crossAx val="-54728640"/>
+        <c:crossAx val="1609580048"/>
         <c:crosses val="autoZero"/>
         <c:crossBetween val="between"/>
       </c:valAx>
@@ -4936,7 +4936,27 @@
             <a:pPr algn="just"/>
             <a:r>
               <a:rPr lang="es-CO" dirty="0" smtClean="0"/>
-              <a:t>In posters dataset </a:t>
+              <a:t>In </a:t>
+            </a:r>
+            <a:r>
+              <a:rPr lang="es-CO" dirty="0" smtClean="0"/>
+              <a:t>poster </a:t>
+            </a:r>
+            <a:r>
+              <a:rPr lang="es-CO" dirty="0" err="1" smtClean="0"/>
+              <a:t>images</a:t>
+            </a:r>
+            <a:r>
+              <a:rPr lang="es-CO" dirty="0" smtClean="0"/>
+              <a:t> </a:t>
+            </a:r>
+            <a:r>
+              <a:rPr lang="es-CO" dirty="0" err="1" smtClean="0"/>
+              <a:t>dataset</a:t>
+            </a:r>
+            <a:r>
+              <a:rPr lang="es-CO" dirty="0" smtClean="0"/>
+              <a:t>, </a:t>
             </a:r>
             <a:r>
               <a:rPr lang="en-US" dirty="0" smtClean="0"/>
@@ -4948,7 +4968,31 @@
             </a:r>
             <a:r>
               <a:rPr lang="en-US" dirty="0" smtClean="0"/>
-              <a:t>two analogous version: full color and grayscale. For classification, in order to get better predictions fill color version of each poster is going to be used.</a:t>
+              <a:t>two analogous version: full color and grayscale. For classification, </a:t>
+            </a:r>
+            <a:r>
+              <a:rPr lang="en-US" dirty="0" smtClean="0"/>
+              <a:t>purposes, in </a:t>
+            </a:r>
+            <a:r>
+              <a:rPr lang="en-US" dirty="0" smtClean="0"/>
+              <a:t>order to get better </a:t>
+            </a:r>
+            <a:r>
+              <a:rPr lang="en-US" dirty="0" smtClean="0"/>
+              <a:t>predictions,  full </a:t>
+            </a:r>
+            <a:r>
+              <a:rPr lang="en-US" dirty="0" smtClean="0"/>
+              <a:t>color version </a:t>
+            </a:r>
+            <a:r>
+              <a:rPr lang="en-US" dirty="0" smtClean="0"/>
+              <a:t>will </a:t>
+            </a:r>
+            <a:r>
+              <a:rPr lang="en-US" dirty="0" smtClean="0"/>
+              <a:t>be used.</a:t>
             </a:r>
           </a:p>
           <a:p>
@@ -4987,8 +5031,13 @@
             </a:r>
             <a:r>
               <a:rPr lang="en-US" dirty="0" smtClean="0"/>
-              <a:t> different genres (target variable). One movie can belong to several genres classification.</a:t>
-            </a:r>
+              <a:t> different genres (target variable). One movie can belong to several </a:t>
+            </a:r>
+            <a:r>
+              <a:rPr lang="en-US" dirty="0" smtClean="0"/>
+              <a:t>genres.</a:t>
+            </a:r>
+            <a:endParaRPr lang="en-US" dirty="0" smtClean="0"/>
           </a:p>
           <a:p>
             <a:pPr algn="just"/>
@@ -4998,7 +5047,23 @@
             <a:pPr algn="just"/>
             <a:r>
               <a:rPr lang="en-US" dirty="0" smtClean="0"/>
-              <a:t>The proposed classification methodology will be able to predict the genres classification for a move given its poster and plot.</a:t>
+              <a:t>The proposed classification methodology will be able to predict the genres classification for a </a:t>
+            </a:r>
+            <a:r>
+              <a:rPr lang="en-US" dirty="0" smtClean="0"/>
+              <a:t>movie, </a:t>
+            </a:r>
+            <a:r>
+              <a:rPr lang="en-US" dirty="0" smtClean="0"/>
+              <a:t>given its </a:t>
+            </a:r>
+            <a:r>
+              <a:rPr lang="en-US" dirty="0" smtClean="0"/>
+              <a:t>poster image </a:t>
+            </a:r>
+            <a:r>
+              <a:rPr lang="en-US" dirty="0" smtClean="0"/>
+              <a:t>and plot.</a:t>
             </a:r>
             <a:endParaRPr lang="en-US" dirty="0"/>
           </a:p>
@@ -6431,25 +6496,12 @@
             <a:pPr algn="just"/>
             <a:r>
               <a:rPr lang="en-US" dirty="0" smtClean="0"/>
-              <a:t>In conclusion, the best model will be the average between transfer learning network for images and a sequential network for movie plot</a:t>
-            </a:r>
-            <a:r>
-              <a:rPr lang="en-US" dirty="0" smtClean="0"/>
-              <a:t>. However, the best model in </a:t>
-            </a:r>
-            <a:r>
-              <a:rPr lang="en-US" dirty="0" err="1" smtClean="0"/>
-              <a:t>Kaggle</a:t>
-            </a:r>
-            <a:r>
-              <a:rPr lang="en-US" dirty="0" smtClean="0"/>
-              <a:t> </a:t>
+              <a:t>In conclusion, the best model will be the average between transfer learning network for images and a sequential network for movie plot. However, the best model in Kaggle </a:t>
             </a:r>
             <a:r>
               <a:rPr lang="en-US" dirty="0"/>
               <a:t>was the neural network taking as input vectors the two data sets at once</a:t>
             </a:r>
-            <a:endParaRPr lang="en-US" dirty="0"/>
           </a:p>
         </p:txBody>
       </p:sp>
